--- a/Overview-Presentation.pptx
+++ b/Overview-Presentation.pptx
@@ -145,7 +145,7 @@
   <pc:docChgLst>
     <pc:chgData name="Andrew Forrest" userId="fa6346fad9b88101" providerId="LiveId" clId="{4D3BFEEB-B8A8-485F-B41B-389A60E99085}"/>
     <pc:docChg chg="undo custSel addSld delSld modSld sldOrd">
-      <pc:chgData name="Andrew Forrest" userId="fa6346fad9b88101" providerId="LiveId" clId="{4D3BFEEB-B8A8-485F-B41B-389A60E99085}" dt="2021-01-17T21:11:17.973" v="13384"/>
+      <pc:chgData name="Andrew Forrest" userId="fa6346fad9b88101" providerId="LiveId" clId="{4D3BFEEB-B8A8-485F-B41B-389A60E99085}" dt="2021-01-19T03:00:17.889" v="13648" actId="20577"/>
       <pc:docMkLst>
         <pc:docMk/>
       </pc:docMkLst>
@@ -219,13 +219,13 @@
         </pc:graphicFrameChg>
       </pc:sldChg>
       <pc:sldChg chg="modSp mod ord modNotesTx">
-        <pc:chgData name="Andrew Forrest" userId="fa6346fad9b88101" providerId="LiveId" clId="{4D3BFEEB-B8A8-485F-B41B-389A60E99085}" dt="2021-01-17T21:11:17.973" v="13384"/>
+        <pc:chgData name="Andrew Forrest" userId="fa6346fad9b88101" providerId="LiveId" clId="{4D3BFEEB-B8A8-485F-B41B-389A60E99085}" dt="2021-01-19T03:00:17.889" v="13648" actId="20577"/>
         <pc:sldMkLst>
           <pc:docMk/>
           <pc:sldMk cId="1058339889" sldId="308"/>
         </pc:sldMkLst>
-        <pc:graphicFrameChg chg="modGraphic">
-          <ac:chgData name="Andrew Forrest" userId="fa6346fad9b88101" providerId="LiveId" clId="{4D3BFEEB-B8A8-485F-B41B-389A60E99085}" dt="2021-01-13T00:13:29.051" v="8143" actId="113"/>
+        <pc:graphicFrameChg chg="mod modGraphic">
+          <ac:chgData name="Andrew Forrest" userId="fa6346fad9b88101" providerId="LiveId" clId="{4D3BFEEB-B8A8-485F-B41B-389A60E99085}" dt="2021-01-19T02:59:19.650" v="13622" actId="20577"/>
           <ac:graphicFrameMkLst>
             <pc:docMk/>
             <pc:sldMk cId="1058339889" sldId="308"/>
@@ -234,13 +234,13 @@
         </pc:graphicFrameChg>
       </pc:sldChg>
       <pc:sldChg chg="modSp mod ord modNotesTx">
-        <pc:chgData name="Andrew Forrest" userId="fa6346fad9b88101" providerId="LiveId" clId="{4D3BFEEB-B8A8-485F-B41B-389A60E99085}" dt="2021-01-17T21:11:08.431" v="13382"/>
+        <pc:chgData name="Andrew Forrest" userId="fa6346fad9b88101" providerId="LiveId" clId="{4D3BFEEB-B8A8-485F-B41B-389A60E99085}" dt="2021-01-19T02:59:12.236" v="13615" actId="20577"/>
         <pc:sldMkLst>
           <pc:docMk/>
           <pc:sldMk cId="3569181265" sldId="309"/>
         </pc:sldMkLst>
         <pc:graphicFrameChg chg="modGraphic">
-          <ac:chgData name="Andrew Forrest" userId="fa6346fad9b88101" providerId="LiveId" clId="{4D3BFEEB-B8A8-485F-B41B-389A60E99085}" dt="2021-01-13T00:13:40.397" v="8146" actId="113"/>
+          <ac:chgData name="Andrew Forrest" userId="fa6346fad9b88101" providerId="LiveId" clId="{4D3BFEEB-B8A8-485F-B41B-389A60E99085}" dt="2021-01-19T02:59:12.236" v="13615" actId="20577"/>
           <ac:graphicFrameMkLst>
             <pc:docMk/>
             <pc:sldMk cId="3569181265" sldId="309"/>
@@ -602,6 +602,13 @@
             <ac:picMk id="7" creationId="{F8158D23-D654-4DC4-87BD-FCAF8DBE3B59}"/>
           </ac:picMkLst>
         </pc:picChg>
+      </pc:sldChg>
+      <pc:sldChg chg="new del">
+        <pc:chgData name="Andrew Forrest" userId="fa6346fad9b88101" providerId="LiveId" clId="{4D3BFEEB-B8A8-485F-B41B-389A60E99085}" dt="2021-01-19T02:45:38.551" v="13386" actId="680"/>
+        <pc:sldMkLst>
+          <pc:docMk/>
+          <pc:sldMk cId="1407553039" sldId="325"/>
+        </pc:sldMkLst>
       </pc:sldChg>
     </pc:docChg>
   </pc:docChgLst>
@@ -1287,7 +1294,7 @@
           <a:p>
             <a:fld id="{83D543DE-4122-48F5-A0EB-BC805411E223}" type="datetimeFigureOut">
               <a:rPr lang="en-AU" smtClean="0"/>
-              <a:t>18/01/2021</a:t>
+              <a:t>19/01/2021</a:t>
             </a:fld>
             <a:endParaRPr lang="en-AU" dirty="0"/>
           </a:p>
@@ -2576,7 +2583,15 @@
             </a:pPr>
             <a:r>
               <a:rPr lang="en-US" dirty="0"/>
-              <a:t>in my pen test report, I referenced a CWE for each vulnerability exploited.</a:t>
+              <a:t>in my report, I referenced a CWE and a </a:t>
+            </a:r>
+            <a:r>
+              <a:rPr lang="en-US"/>
+              <a:t>CVSS score for </a:t>
+            </a:r>
+            <a:r>
+              <a:rPr lang="en-US" dirty="0"/>
+              <a:t>each vulnerability exploited.</a:t>
             </a:r>
           </a:p>
           <a:p>
@@ -3553,7 +3568,7 @@
             <a:fld id="{5586B75A-687E-405C-8A0B-8D00578BA2C3}" type="datetimeFigureOut">
               <a:rPr lang="en-US" dirty="0"/>
               <a:pPr/>
-              <a:t>1/18/2021</a:t>
+              <a:t>1/19/2021</a:t>
             </a:fld>
             <a:endParaRPr lang="en-US" dirty="0"/>
           </a:p>
@@ -3720,7 +3735,7 @@
             <a:fld id="{5586B75A-687E-405C-8A0B-8D00578BA2C3}" type="datetimeFigureOut">
               <a:rPr lang="en-US" dirty="0"/>
               <a:pPr/>
-              <a:t>1/18/2021</a:t>
+              <a:t>1/19/2021</a:t>
             </a:fld>
             <a:endParaRPr lang="en-US" dirty="0"/>
           </a:p>
@@ -3897,7 +3912,7 @@
             <a:fld id="{5586B75A-687E-405C-8A0B-8D00578BA2C3}" type="datetimeFigureOut">
               <a:rPr lang="en-US" dirty="0"/>
               <a:pPr/>
-              <a:t>1/18/2021</a:t>
+              <a:t>1/19/2021</a:t>
             </a:fld>
             <a:endParaRPr lang="en-US" dirty="0"/>
           </a:p>
@@ -4064,7 +4079,7 @@
             <a:fld id="{5586B75A-687E-405C-8A0B-8D00578BA2C3}" type="datetimeFigureOut">
               <a:rPr lang="en-US" dirty="0"/>
               <a:pPr/>
-              <a:t>1/18/2021</a:t>
+              <a:t>1/19/2021</a:t>
             </a:fld>
             <a:endParaRPr lang="en-US" dirty="0"/>
           </a:p>
@@ -4319,7 +4334,7 @@
             <a:fld id="{5586B75A-687E-405C-8A0B-8D00578BA2C3}" type="datetimeFigureOut">
               <a:rPr lang="en-US" dirty="0"/>
               <a:pPr/>
-              <a:t>1/18/2021</a:t>
+              <a:t>1/19/2021</a:t>
             </a:fld>
             <a:endParaRPr lang="en-US" dirty="0"/>
           </a:p>
@@ -4604,7 +4619,7 @@
             <a:fld id="{5586B75A-687E-405C-8A0B-8D00578BA2C3}" type="datetimeFigureOut">
               <a:rPr lang="en-US" dirty="0"/>
               <a:pPr/>
-              <a:t>1/18/2021</a:t>
+              <a:t>1/19/2021</a:t>
             </a:fld>
             <a:endParaRPr lang="en-US" dirty="0"/>
           </a:p>
@@ -5043,7 +5058,7 @@
             <a:fld id="{5586B75A-687E-405C-8A0B-8D00578BA2C3}" type="datetimeFigureOut">
               <a:rPr lang="en-US" dirty="0"/>
               <a:pPr/>
-              <a:t>1/18/2021</a:t>
+              <a:t>1/19/2021</a:t>
             </a:fld>
             <a:endParaRPr lang="en-US" dirty="0"/>
           </a:p>
@@ -5158,7 +5173,7 @@
             <a:fld id="{5586B75A-687E-405C-8A0B-8D00578BA2C3}" type="datetimeFigureOut">
               <a:rPr lang="en-US" dirty="0"/>
               <a:pPr/>
-              <a:t>1/18/2021</a:t>
+              <a:t>1/19/2021</a:t>
             </a:fld>
             <a:endParaRPr lang="en-US" dirty="0"/>
           </a:p>
@@ -5250,7 +5265,7 @@
             <a:fld id="{5586B75A-687E-405C-8A0B-8D00578BA2C3}" type="datetimeFigureOut">
               <a:rPr lang="en-US" dirty="0"/>
               <a:pPr/>
-              <a:t>1/18/2021</a:t>
+              <a:t>1/19/2021</a:t>
             </a:fld>
             <a:endParaRPr lang="en-US" dirty="0"/>
           </a:p>
@@ -5535,7 +5550,7 @@
             <a:fld id="{5586B75A-687E-405C-8A0B-8D00578BA2C3}" type="datetimeFigureOut">
               <a:rPr lang="en-US" dirty="0"/>
               <a:pPr/>
-              <a:t>1/18/2021</a:t>
+              <a:t>1/19/2021</a:t>
             </a:fld>
             <a:endParaRPr lang="en-US" dirty="0"/>
           </a:p>
@@ -5805,7 +5820,7 @@
             <a:fld id="{5586B75A-687E-405C-8A0B-8D00578BA2C3}" type="datetimeFigureOut">
               <a:rPr lang="en-US" dirty="0"/>
               <a:pPr/>
-              <a:t>1/18/2021</a:t>
+              <a:t>1/19/2021</a:t>
             </a:fld>
             <a:endParaRPr lang="en-US" dirty="0"/>
           </a:p>
@@ -6101,7 +6116,7 @@
             <a:fld id="{5586B75A-687E-405C-8A0B-8D00578BA2C3}" type="datetimeFigureOut">
               <a:rPr lang="en-US" dirty="0"/>
               <a:pPr/>
-              <a:t>1/18/2021</a:t>
+              <a:t>1/19/2021</a:t>
             </a:fld>
             <a:endParaRPr lang="en-US" dirty="0"/>
           </a:p>
@@ -8429,14 +8444,14 @@
             <p:ph idx="1"/>
             <p:extLst>
               <p:ext uri="{D42A27DB-BD31-4B8C-83A1-F6EECF244321}">
-                <p14:modId xmlns:p14="http://schemas.microsoft.com/office/powerpoint/2010/main" val="3511118761"/>
+                <p14:modId xmlns:p14="http://schemas.microsoft.com/office/powerpoint/2010/main" val="2052359444"/>
               </p:ext>
             </p:extLst>
           </p:nvPr>
         </p:nvGraphicFramePr>
         <p:xfrm>
           <a:off x="745924" y="1112520"/>
-          <a:ext cx="10515597" cy="4632960"/>
+          <a:ext cx="10515597" cy="4785360"/>
         </p:xfrm>
         <a:graphic>
           <a:graphicData uri="http://schemas.openxmlformats.org/drawingml/2006/table">
@@ -8503,7 +8518,7 @@
                     <a:p>
                       <a:r>
                         <a:rPr lang="en-US" sz="2800" dirty="0"/>
-                        <a:t>Common Weakness</a:t>
+                        <a:t>CWE and CVSS</a:t>
                       </a:r>
                       <a:endParaRPr lang="en-AU" sz="2800" dirty="0"/>
                     </a:p>
@@ -8516,7 +8531,7 @@
                   </a:ext>
                 </a:extLst>
               </a:tr>
-              <a:tr h="370840">
+              <a:tr h="672869">
                 <a:tc>
                   <a:txBody>
                     <a:bodyPr/>
@@ -8566,7 +8581,7 @@
                     <a:lstStyle/>
                     <a:p>
                       <a:r>
-                        <a:rPr lang="en-AU" sz="1600" b="1" kern="1200" dirty="0">
+                        <a:rPr lang="en-AU" sz="1800" b="1" kern="1200" dirty="0">
                           <a:solidFill>
                             <a:schemeClr val="dk1"/>
                           </a:solidFill>
@@ -8575,8 +8590,53 @@
                           <a:ea typeface="+mn-ea"/>
                           <a:cs typeface="+mn-cs"/>
                         </a:rPr>
-                        <a:t>CWE-540</a:t>
+                        <a:t>CWE-540 </a:t>
                       </a:r>
+                      <a:r>
+                        <a:rPr lang="en-US" sz="1800" b="1" kern="1200" dirty="0">
+                          <a:solidFill>
+                            <a:schemeClr val="dk1"/>
+                          </a:solidFill>
+                          <a:effectLst/>
+                          <a:latin typeface="+mn-lt"/>
+                          <a:ea typeface="+mn-ea"/>
+                          <a:cs typeface="+mn-cs"/>
+                        </a:rPr>
+                        <a:t>- </a:t>
+                      </a:r>
+                      <a:r>
+                        <a:rPr lang="en-US" sz="1800" kern="1200" dirty="0">
+                          <a:solidFill>
+                            <a:schemeClr val="dk1"/>
+                          </a:solidFill>
+                          <a:effectLst/>
+                          <a:latin typeface="+mn-lt"/>
+                          <a:ea typeface="+mn-ea"/>
+                          <a:cs typeface="+mn-cs"/>
+                        </a:rPr>
+                        <a:t> </a:t>
+                      </a:r>
+                      <a:r>
+                        <a:rPr lang="en-US" sz="1800" b="1" kern="1200" dirty="0">
+                          <a:solidFill>
+                            <a:srgbClr val="FF0000"/>
+                          </a:solidFill>
+                          <a:effectLst/>
+                          <a:latin typeface="+mn-lt"/>
+                          <a:ea typeface="+mn-ea"/>
+                          <a:cs typeface="+mn-cs"/>
+                        </a:rPr>
+                        <a:t>9.0</a:t>
+                      </a:r>
+                      <a:endParaRPr lang="en-AU" sz="1800" b="1" kern="1200" dirty="0">
+                        <a:solidFill>
+                          <a:srgbClr val="FF0000"/>
+                        </a:solidFill>
+                        <a:effectLst/>
+                        <a:latin typeface="+mn-lt"/>
+                        <a:ea typeface="+mn-ea"/>
+                        <a:cs typeface="+mn-cs"/>
+                      </a:endParaRPr>
                     </a:p>
                     <a:p>
                       <a:r>
@@ -8592,7 +8652,7 @@
                         </a:rPr>
                         <a:t>https://cwe.mitre.org/data/definitions/540.html</a:t>
                       </a:r>
-                      <a:endParaRPr lang="en-US" sz="1600" kern="1200" dirty="0">
+                      <a:endParaRPr lang="en-US" sz="1600" b="1" kern="1200" dirty="0">
                         <a:solidFill>
                           <a:schemeClr val="dk1"/>
                         </a:solidFill>
@@ -8727,7 +8787,7 @@
                     <a:lstStyle/>
                     <a:p>
                       <a:r>
-                        <a:rPr lang="en-AU" sz="1600" b="1" kern="1200" dirty="0">
+                        <a:rPr lang="en-AU" sz="1800" b="1" kern="1200" dirty="0">
                           <a:solidFill>
                             <a:schemeClr val="dk1"/>
                           </a:solidFill>
@@ -8736,7 +8796,19 @@
                           <a:ea typeface="+mn-ea"/>
                           <a:cs typeface="+mn-cs"/>
                         </a:rPr>
-                        <a:t>CWE-521</a:t>
+                        <a:t>CWE-521  - </a:t>
+                      </a:r>
+                      <a:r>
+                        <a:rPr lang="en-AU" sz="1800" b="1" kern="1200" dirty="0">
+                          <a:solidFill>
+                            <a:srgbClr val="FF0000"/>
+                          </a:solidFill>
+                          <a:effectLst/>
+                          <a:latin typeface="+mn-lt"/>
+                          <a:ea typeface="+mn-ea"/>
+                          <a:cs typeface="+mn-cs"/>
+                        </a:rPr>
+                        <a:t>8.0</a:t>
                       </a:r>
                     </a:p>
                     <a:p>
@@ -8835,7 +8907,7 @@
                     <a:lstStyle/>
                     <a:p>
                       <a:r>
-                        <a:rPr lang="en-AU" sz="1600" b="1" kern="1200" dirty="0">
+                        <a:rPr lang="en-AU" sz="1800" b="1" kern="1200" dirty="0">
                           <a:solidFill>
                             <a:schemeClr val="dk1"/>
                           </a:solidFill>
@@ -8844,7 +8916,19 @@
                           <a:ea typeface="+mn-ea"/>
                           <a:cs typeface="+mn-cs"/>
                         </a:rPr>
-                        <a:t>CWE-260</a:t>
+                        <a:t>CWE-260 -  </a:t>
+                      </a:r>
+                      <a:r>
+                        <a:rPr lang="en-AU" sz="1800" b="1" kern="1200" dirty="0">
+                          <a:solidFill>
+                            <a:srgbClr val="FF0000"/>
+                          </a:solidFill>
+                          <a:effectLst/>
+                          <a:latin typeface="+mn-lt"/>
+                          <a:ea typeface="+mn-ea"/>
+                          <a:cs typeface="+mn-cs"/>
+                        </a:rPr>
+                        <a:t>8.0 </a:t>
                       </a:r>
                     </a:p>
                     <a:p>
@@ -8944,7 +9028,7 @@
                     <a:lstStyle/>
                     <a:p>
                       <a:r>
-                        <a:rPr lang="en-AU" sz="1600" b="1" kern="1200" dirty="0">
+                        <a:rPr lang="en-AU" sz="1800" b="1" kern="1200" dirty="0">
                           <a:solidFill>
                             <a:schemeClr val="dk1"/>
                           </a:solidFill>
@@ -8953,7 +9037,19 @@
                           <a:ea typeface="+mn-ea"/>
                           <a:cs typeface="+mn-cs"/>
                         </a:rPr>
-                        <a:t>CWE-250</a:t>
+                        <a:t>CWE-250 -  </a:t>
+                      </a:r>
+                      <a:r>
+                        <a:rPr lang="en-AU" sz="1800" b="1" kern="1200" dirty="0">
+                          <a:solidFill>
+                            <a:srgbClr val="FF0000"/>
+                          </a:solidFill>
+                          <a:effectLst/>
+                          <a:latin typeface="+mn-lt"/>
+                          <a:ea typeface="+mn-ea"/>
+                          <a:cs typeface="+mn-cs"/>
+                        </a:rPr>
+                        <a:t>8.5 </a:t>
                       </a:r>
                     </a:p>
                     <a:p>
@@ -9040,7 +9136,7 @@
                     <a:lstStyle/>
                     <a:p>
                       <a:r>
-                        <a:rPr lang="en-AU" sz="1600" b="1" kern="1200" dirty="0">
+                        <a:rPr lang="en-AU" sz="1800" b="1" kern="1200" dirty="0">
                           <a:solidFill>
                             <a:schemeClr val="dk1"/>
                           </a:solidFill>
@@ -9049,7 +9145,19 @@
                           <a:ea typeface="+mn-ea"/>
                           <a:cs typeface="+mn-cs"/>
                         </a:rPr>
-                        <a:t>CWE-434</a:t>
+                        <a:t>CWE-434 -  </a:t>
+                      </a:r>
+                      <a:r>
+                        <a:rPr lang="en-AU" sz="1800" b="1" kern="1200" dirty="0">
+                          <a:solidFill>
+                            <a:srgbClr val="FF0000"/>
+                          </a:solidFill>
+                          <a:effectLst/>
+                          <a:latin typeface="+mn-lt"/>
+                          <a:ea typeface="+mn-ea"/>
+                          <a:cs typeface="+mn-cs"/>
+                        </a:rPr>
+                        <a:t>8.5</a:t>
                       </a:r>
                     </a:p>
                     <a:p>
@@ -9672,7 +9780,7 @@
             <p:ph idx="1"/>
             <p:extLst>
               <p:ext uri="{D42A27DB-BD31-4B8C-83A1-F6EECF244321}">
-                <p14:modId xmlns:p14="http://schemas.microsoft.com/office/powerpoint/2010/main" val="4221392291"/>
+                <p14:modId xmlns:p14="http://schemas.microsoft.com/office/powerpoint/2010/main" val="142416730"/>
               </p:ext>
             </p:extLst>
           </p:nvPr>
@@ -9746,7 +9854,7 @@
                     <a:p>
                       <a:r>
                         <a:rPr lang="en-US" sz="2800" dirty="0"/>
-                        <a:t>Common Weakness</a:t>
+                        <a:t>CWE and CVSS </a:t>
                       </a:r>
                       <a:endParaRPr lang="en-AU" sz="2800" dirty="0"/>
                     </a:p>
@@ -9827,7 +9935,19 @@
                           <a:ea typeface="+mn-ea"/>
                           <a:cs typeface="+mn-cs"/>
                         </a:rPr>
-                        <a:t>CWE-548</a:t>
+                        <a:t>CWE-548 </a:t>
+                      </a:r>
+                      <a:r>
+                        <a:rPr lang="en-AU" sz="1800" b="1" kern="1200" dirty="0">
+                          <a:solidFill>
+                            <a:srgbClr val="FF0000"/>
+                          </a:solidFill>
+                          <a:effectLst/>
+                          <a:latin typeface="+mn-lt"/>
+                          <a:ea typeface="+mn-ea"/>
+                          <a:cs typeface="+mn-cs"/>
+                        </a:rPr>
+                        <a:t>-  8.0</a:t>
                       </a:r>
                     </a:p>
                     <a:p>
@@ -9957,7 +10077,19 @@
                           <a:ea typeface="+mn-ea"/>
                           <a:cs typeface="+mn-cs"/>
                         </a:rPr>
-                        <a:t>CWE-78</a:t>
+                        <a:t>CWE-78 </a:t>
+                      </a:r>
+                      <a:r>
+                        <a:rPr lang="en-US" sz="1800" b="1" kern="1200" dirty="0">
+                          <a:solidFill>
+                            <a:srgbClr val="FF0000"/>
+                          </a:solidFill>
+                          <a:effectLst/>
+                          <a:latin typeface="+mn-lt"/>
+                          <a:ea typeface="+mn-ea"/>
+                          <a:cs typeface="+mn-cs"/>
+                        </a:rPr>
+                        <a:t>- 8.0</a:t>
                       </a:r>
                     </a:p>
                     <a:p>
@@ -10060,7 +10192,19 @@
                           <a:ea typeface="+mn-ea"/>
                           <a:cs typeface="+mn-cs"/>
                         </a:rPr>
-                        <a:t>CWE-22</a:t>
+                        <a:t>CWE-22 </a:t>
+                      </a:r>
+                      <a:r>
+                        <a:rPr lang="en-US" sz="1800" b="1" kern="1200" dirty="0">
+                          <a:solidFill>
+                            <a:srgbClr val="FF0000"/>
+                          </a:solidFill>
+                          <a:effectLst/>
+                          <a:latin typeface="+mn-lt"/>
+                          <a:ea typeface="+mn-ea"/>
+                          <a:cs typeface="+mn-cs"/>
+                        </a:rPr>
+                        <a:t>-  8.0</a:t>
                       </a:r>
                     </a:p>
                     <a:p>

--- a/Overview-Presentation.pptx
+++ b/Overview-Presentation.pptx
@@ -142,6 +142,476 @@
 
 <file path=ppt/changesInfos/changesInfo1.xml><?xml version="1.0" encoding="utf-8"?>
 <pc:chgInfo xmlns:a="http://schemas.openxmlformats.org/drawingml/2006/main" xmlns:r="http://schemas.openxmlformats.org/officeDocument/2006/relationships" xmlns:ac="http://schemas.microsoft.com/office/drawing/2013/main/command" xmlns:pc="http://schemas.microsoft.com/office/powerpoint/2013/main/command">
+  <pc:docChgLst>
+    <pc:chgData name="Andrew Forrest" userId="fa6346fad9b88101" providerId="LiveId" clId="{4D3BFEEB-B8A8-485F-B41B-389A60E99085}"/>
+    <pc:docChg chg="undo custSel addSld delSld modSld sldOrd">
+      <pc:chgData name="Andrew Forrest" userId="fa6346fad9b88101" providerId="LiveId" clId="{4D3BFEEB-B8A8-485F-B41B-389A60E99085}" dt="2021-01-20T02:31:13.866" v="14075" actId="20577"/>
+      <pc:docMkLst>
+        <pc:docMk/>
+      </pc:docMkLst>
+      <pc:sldChg chg="modSp mod modNotesTx">
+        <pc:chgData name="Andrew Forrest" userId="fa6346fad9b88101" providerId="LiveId" clId="{4D3BFEEB-B8A8-485F-B41B-389A60E99085}" dt="2021-01-17T20:59:48.774" v="13319" actId="20577"/>
+        <pc:sldMkLst>
+          <pc:docMk/>
+          <pc:sldMk cId="2481079122" sldId="256"/>
+        </pc:sldMkLst>
+        <pc:spChg chg="mod">
+          <ac:chgData name="Andrew Forrest" userId="fa6346fad9b88101" providerId="LiveId" clId="{4D3BFEEB-B8A8-485F-B41B-389A60E99085}" dt="2021-01-16T00:13:59.870" v="13223" actId="20577"/>
+          <ac:spMkLst>
+            <pc:docMk/>
+            <pc:sldMk cId="2481079122" sldId="256"/>
+            <ac:spMk id="2" creationId="{622DC9A9-464C-4CBD-8AEA-87392C208365}"/>
+          </ac:spMkLst>
+        </pc:spChg>
+        <pc:spChg chg="mod">
+          <ac:chgData name="Andrew Forrest" userId="fa6346fad9b88101" providerId="LiveId" clId="{4D3BFEEB-B8A8-485F-B41B-389A60E99085}" dt="2021-01-12T23:52:51.630" v="7399" actId="113"/>
+          <ac:spMkLst>
+            <pc:docMk/>
+            <pc:sldMk cId="2481079122" sldId="256"/>
+            <ac:spMk id="3" creationId="{AE3C7FF9-F0C6-4A07-AED5-C5B5500909B0}"/>
+          </ac:spMkLst>
+        </pc:spChg>
+      </pc:sldChg>
+      <pc:sldChg chg="modSp del mod">
+        <pc:chgData name="Andrew Forrest" userId="fa6346fad9b88101" providerId="LiveId" clId="{4D3BFEEB-B8A8-485F-B41B-389A60E99085}" dt="2021-01-07T05:47:04.764" v="2677" actId="47"/>
+        <pc:sldMkLst>
+          <pc:docMk/>
+          <pc:sldMk cId="955967466" sldId="257"/>
+        </pc:sldMkLst>
+        <pc:spChg chg="mod">
+          <ac:chgData name="Andrew Forrest" userId="fa6346fad9b88101" providerId="LiveId" clId="{4D3BFEEB-B8A8-485F-B41B-389A60E99085}" dt="2021-01-07T05:16:11.022" v="2023" actId="20577"/>
+          <ac:spMkLst>
+            <pc:docMk/>
+            <pc:sldMk cId="955967466" sldId="257"/>
+            <ac:spMk id="2" creationId="{7CD1BAD3-7CE6-4C5B-BE72-36219B2AAD12}"/>
+          </ac:spMkLst>
+        </pc:spChg>
+        <pc:spChg chg="mod">
+          <ac:chgData name="Andrew Forrest" userId="fa6346fad9b88101" providerId="LiveId" clId="{4D3BFEEB-B8A8-485F-B41B-389A60E99085}" dt="2021-01-07T05:15:01.830" v="2001" actId="27636"/>
+          <ac:spMkLst>
+            <pc:docMk/>
+            <pc:sldMk cId="955967466" sldId="257"/>
+            <ac:spMk id="3" creationId="{BD8D47B0-C6FF-425B-9ACD-3734B6384B6F}"/>
+          </ac:spMkLst>
+        </pc:spChg>
+        <pc:spChg chg="mod">
+          <ac:chgData name="Andrew Forrest" userId="fa6346fad9b88101" providerId="LiveId" clId="{4D3BFEEB-B8A8-485F-B41B-389A60E99085}" dt="2021-01-07T05:15:20.109" v="2004" actId="20577"/>
+          <ac:spMkLst>
+            <pc:docMk/>
+            <pc:sldMk cId="955967466" sldId="257"/>
+            <ac:spMk id="4" creationId="{F47EA967-42F5-46AB-B462-9DF6A105306A}"/>
+          </ac:spMkLst>
+        </pc:spChg>
+      </pc:sldChg>
+      <pc:sldChg chg="modSp del mod">
+        <pc:chgData name="Andrew Forrest" userId="fa6346fad9b88101" providerId="LiveId" clId="{4D3BFEEB-B8A8-485F-B41B-389A60E99085}" dt="2021-01-07T05:42:44.726" v="2502" actId="47"/>
+        <pc:sldMkLst>
+          <pc:docMk/>
+          <pc:sldMk cId="476485258" sldId="259"/>
+        </pc:sldMkLst>
+        <pc:graphicFrameChg chg="modGraphic">
+          <ac:chgData name="Andrew Forrest" userId="fa6346fad9b88101" providerId="LiveId" clId="{4D3BFEEB-B8A8-485F-B41B-389A60E99085}" dt="2021-01-07T05:42:42.228" v="2501" actId="6549"/>
+          <ac:graphicFrameMkLst>
+            <pc:docMk/>
+            <pc:sldMk cId="476485258" sldId="259"/>
+            <ac:graphicFrameMk id="8" creationId="{940E181F-D36C-45BB-96A6-0294B3424955}"/>
+          </ac:graphicFrameMkLst>
+        </pc:graphicFrameChg>
+      </pc:sldChg>
+      <pc:sldChg chg="modSp mod ord modNotesTx">
+        <pc:chgData name="Andrew Forrest" userId="fa6346fad9b88101" providerId="LiveId" clId="{4D3BFEEB-B8A8-485F-B41B-389A60E99085}" dt="2021-01-19T20:13:12.711" v="13689" actId="20577"/>
+        <pc:sldMkLst>
+          <pc:docMk/>
+          <pc:sldMk cId="1058339889" sldId="308"/>
+        </pc:sldMkLst>
+        <pc:graphicFrameChg chg="mod modGraphic">
+          <ac:chgData name="Andrew Forrest" userId="fa6346fad9b88101" providerId="LiveId" clId="{4D3BFEEB-B8A8-485F-B41B-389A60E99085}" dt="2021-01-19T20:13:12.711" v="13689" actId="20577"/>
+          <ac:graphicFrameMkLst>
+            <pc:docMk/>
+            <pc:sldMk cId="1058339889" sldId="308"/>
+            <ac:graphicFrameMk id="6" creationId="{DC1028B8-7E67-422E-922C-0ED734B90AC8}"/>
+          </ac:graphicFrameMkLst>
+        </pc:graphicFrameChg>
+      </pc:sldChg>
+      <pc:sldChg chg="modSp mod ord modNotesTx">
+        <pc:chgData name="Andrew Forrest" userId="fa6346fad9b88101" providerId="LiveId" clId="{4D3BFEEB-B8A8-485F-B41B-389A60E99085}" dt="2021-01-19T20:13:22.200" v="13697" actId="20577"/>
+        <pc:sldMkLst>
+          <pc:docMk/>
+          <pc:sldMk cId="3569181265" sldId="309"/>
+        </pc:sldMkLst>
+        <pc:graphicFrameChg chg="modGraphic">
+          <ac:chgData name="Andrew Forrest" userId="fa6346fad9b88101" providerId="LiveId" clId="{4D3BFEEB-B8A8-485F-B41B-389A60E99085}" dt="2021-01-19T20:13:22.200" v="13697" actId="20577"/>
+          <ac:graphicFrameMkLst>
+            <pc:docMk/>
+            <pc:sldMk cId="3569181265" sldId="309"/>
+            <ac:graphicFrameMk id="6" creationId="{DC1028B8-7E67-422E-922C-0ED734B90AC8}"/>
+          </ac:graphicFrameMkLst>
+        </pc:graphicFrameChg>
+      </pc:sldChg>
+      <pc:sldChg chg="modSp mod modNotesTx">
+        <pc:chgData name="Andrew Forrest" userId="fa6346fad9b88101" providerId="LiveId" clId="{4D3BFEEB-B8A8-485F-B41B-389A60E99085}" dt="2021-01-16T00:00:40.881" v="12956" actId="20577"/>
+        <pc:sldMkLst>
+          <pc:docMk/>
+          <pc:sldMk cId="63067111" sldId="310"/>
+        </pc:sldMkLst>
+        <pc:spChg chg="mod">
+          <ac:chgData name="Andrew Forrest" userId="fa6346fad9b88101" providerId="LiveId" clId="{4D3BFEEB-B8A8-485F-B41B-389A60E99085}" dt="2021-01-16T00:00:40.881" v="12956" actId="20577"/>
+          <ac:spMkLst>
+            <pc:docMk/>
+            <pc:sldMk cId="63067111" sldId="310"/>
+            <ac:spMk id="2" creationId="{B0C5B3B2-BBBD-44A7-8D3D-80682CF87E6B}"/>
+          </ac:spMkLst>
+        </pc:spChg>
+        <pc:picChg chg="mod">
+          <ac:chgData name="Andrew Forrest" userId="fa6346fad9b88101" providerId="LiveId" clId="{4D3BFEEB-B8A8-485F-B41B-389A60E99085}" dt="2021-01-07T06:36:51.102" v="4844" actId="1076"/>
+          <ac:picMkLst>
+            <pc:docMk/>
+            <pc:sldMk cId="63067111" sldId="310"/>
+            <ac:picMk id="7" creationId="{83FC51F5-7E3F-419A-9F95-AF12FEC6DC18}"/>
+          </ac:picMkLst>
+        </pc:picChg>
+        <pc:picChg chg="mod">
+          <ac:chgData name="Andrew Forrest" userId="fa6346fad9b88101" providerId="LiveId" clId="{4D3BFEEB-B8A8-485F-B41B-389A60E99085}" dt="2021-01-07T06:15:44.224" v="4163" actId="1076"/>
+          <ac:picMkLst>
+            <pc:docMk/>
+            <pc:sldMk cId="63067111" sldId="310"/>
+            <ac:picMk id="8" creationId="{D32B349E-C9B1-4062-A1E1-185A472285A8}"/>
+          </ac:picMkLst>
+        </pc:picChg>
+        <pc:picChg chg="mod">
+          <ac:chgData name="Andrew Forrest" userId="fa6346fad9b88101" providerId="LiveId" clId="{4D3BFEEB-B8A8-485F-B41B-389A60E99085}" dt="2021-01-07T06:15:49.431" v="4164" actId="1076"/>
+          <ac:picMkLst>
+            <pc:docMk/>
+            <pc:sldMk cId="63067111" sldId="310"/>
+            <ac:picMk id="11" creationId="{1A2B1DD2-9B78-4DD2-A06B-372913D4BDA4}"/>
+          </ac:picMkLst>
+        </pc:picChg>
+      </pc:sldChg>
+      <pc:sldChg chg="modSp mod modNotesTx">
+        <pc:chgData name="Andrew Forrest" userId="fa6346fad9b88101" providerId="LiveId" clId="{4D3BFEEB-B8A8-485F-B41B-389A60E99085}" dt="2021-01-16T00:01:22.649" v="12968" actId="20577"/>
+        <pc:sldMkLst>
+          <pc:docMk/>
+          <pc:sldMk cId="1580089886" sldId="311"/>
+        </pc:sldMkLst>
+        <pc:spChg chg="mod">
+          <ac:chgData name="Andrew Forrest" userId="fa6346fad9b88101" providerId="LiveId" clId="{4D3BFEEB-B8A8-485F-B41B-389A60E99085}" dt="2021-01-16T00:00:50.119" v="12965" actId="20577"/>
+          <ac:spMkLst>
+            <pc:docMk/>
+            <pc:sldMk cId="1580089886" sldId="311"/>
+            <ac:spMk id="2" creationId="{B0C5B3B2-BBBD-44A7-8D3D-80682CF87E6B}"/>
+          </ac:spMkLst>
+        </pc:spChg>
+      </pc:sldChg>
+      <pc:sldChg chg="modSp mod modNotesTx">
+        <pc:chgData name="Andrew Forrest" userId="fa6346fad9b88101" providerId="LiveId" clId="{4D3BFEEB-B8A8-485F-B41B-389A60E99085}" dt="2021-01-19T20:17:17.557" v="13722" actId="20577"/>
+        <pc:sldMkLst>
+          <pc:docMk/>
+          <pc:sldMk cId="1712458297" sldId="312"/>
+        </pc:sldMkLst>
+        <pc:spChg chg="mod">
+          <ac:chgData name="Andrew Forrest" userId="fa6346fad9b88101" providerId="LiveId" clId="{4D3BFEEB-B8A8-485F-B41B-389A60E99085}" dt="2021-01-13T00:38:41.698" v="9224" actId="14100"/>
+          <ac:spMkLst>
+            <pc:docMk/>
+            <pc:sldMk cId="1712458297" sldId="312"/>
+            <ac:spMk id="2" creationId="{B0C5B3B2-BBBD-44A7-8D3D-80682CF87E6B}"/>
+          </ac:spMkLst>
+        </pc:spChg>
+        <pc:spChg chg="mod">
+          <ac:chgData name="Andrew Forrest" userId="fa6346fad9b88101" providerId="LiveId" clId="{4D3BFEEB-B8A8-485F-B41B-389A60E99085}" dt="2021-01-19T20:17:17.557" v="13722" actId="20577"/>
+          <ac:spMkLst>
+            <pc:docMk/>
+            <pc:sldMk cId="1712458297" sldId="312"/>
+            <ac:spMk id="3" creationId="{D6DDD3C4-6F76-40B5-AFF1-F0557BC03777}"/>
+          </ac:spMkLst>
+        </pc:spChg>
+      </pc:sldChg>
+      <pc:sldChg chg="modSp mod modNotesTx">
+        <pc:chgData name="Andrew Forrest" userId="fa6346fad9b88101" providerId="LiveId" clId="{4D3BFEEB-B8A8-485F-B41B-389A60E99085}" dt="2021-01-16T00:02:50.250" v="13013" actId="6549"/>
+        <pc:sldMkLst>
+          <pc:docMk/>
+          <pc:sldMk cId="2162107554" sldId="313"/>
+        </pc:sldMkLst>
+        <pc:spChg chg="mod">
+          <ac:chgData name="Andrew Forrest" userId="fa6346fad9b88101" providerId="LiveId" clId="{4D3BFEEB-B8A8-485F-B41B-389A60E99085}" dt="2021-01-07T06:41:36.200" v="4896" actId="113"/>
+          <ac:spMkLst>
+            <pc:docMk/>
+            <pc:sldMk cId="2162107554" sldId="313"/>
+            <ac:spMk id="2" creationId="{B0C5B3B2-BBBD-44A7-8D3D-80682CF87E6B}"/>
+          </ac:spMkLst>
+        </pc:spChg>
+        <pc:picChg chg="mod">
+          <ac:chgData name="Andrew Forrest" userId="fa6346fad9b88101" providerId="LiveId" clId="{4D3BFEEB-B8A8-485F-B41B-389A60E99085}" dt="2021-01-07T06:40:42.127" v="4878" actId="1076"/>
+          <ac:picMkLst>
+            <pc:docMk/>
+            <pc:sldMk cId="2162107554" sldId="313"/>
+            <ac:picMk id="4" creationId="{5BF79180-432E-411A-84EE-2BF66FCA1769}"/>
+          </ac:picMkLst>
+        </pc:picChg>
+        <pc:picChg chg="mod">
+          <ac:chgData name="Andrew Forrest" userId="fa6346fad9b88101" providerId="LiveId" clId="{4D3BFEEB-B8A8-485F-B41B-389A60E99085}" dt="2021-01-07T06:40:45.584" v="4879" actId="1076"/>
+          <ac:picMkLst>
+            <pc:docMk/>
+            <pc:sldMk cId="2162107554" sldId="313"/>
+            <ac:picMk id="6" creationId="{E7679167-4854-448D-B4E9-C4F85EB31C03}"/>
+          </ac:picMkLst>
+        </pc:picChg>
+      </pc:sldChg>
+      <pc:sldChg chg="modSp mod modNotesTx">
+        <pc:chgData name="Andrew Forrest" userId="fa6346fad9b88101" providerId="LiveId" clId="{4D3BFEEB-B8A8-485F-B41B-389A60E99085}" dt="2021-01-16T00:08:13.669" v="13124" actId="20577"/>
+        <pc:sldMkLst>
+          <pc:docMk/>
+          <pc:sldMk cId="1423418208" sldId="314"/>
+        </pc:sldMkLst>
+        <pc:spChg chg="mod">
+          <ac:chgData name="Andrew Forrest" userId="fa6346fad9b88101" providerId="LiveId" clId="{4D3BFEEB-B8A8-485F-B41B-389A60E99085}" dt="2021-01-16T00:08:13.669" v="13124" actId="20577"/>
+          <ac:spMkLst>
+            <pc:docMk/>
+            <pc:sldMk cId="1423418208" sldId="314"/>
+            <ac:spMk id="2" creationId="{B0C5B3B2-BBBD-44A7-8D3D-80682CF87E6B}"/>
+          </ac:spMkLst>
+        </pc:spChg>
+        <pc:spChg chg="mod">
+          <ac:chgData name="Andrew Forrest" userId="fa6346fad9b88101" providerId="LiveId" clId="{4D3BFEEB-B8A8-485F-B41B-389A60E99085}" dt="2021-01-13T00:58:20.375" v="9754"/>
+          <ac:spMkLst>
+            <pc:docMk/>
+            <pc:sldMk cId="1423418208" sldId="314"/>
+            <ac:spMk id="3" creationId="{D6DDD3C4-6F76-40B5-AFF1-F0557BC03777}"/>
+          </ac:spMkLst>
+        </pc:spChg>
+      </pc:sldChg>
+      <pc:sldChg chg="modSp mod modNotesTx">
+        <pc:chgData name="Andrew Forrest" userId="fa6346fad9b88101" providerId="LiveId" clId="{4D3BFEEB-B8A8-485F-B41B-389A60E99085}" dt="2021-01-19T20:14:42.289" v="13715" actId="20577"/>
+        <pc:sldMkLst>
+          <pc:docMk/>
+          <pc:sldMk cId="4088612770" sldId="317"/>
+        </pc:sldMkLst>
+        <pc:spChg chg="mod">
+          <ac:chgData name="Andrew Forrest" userId="fa6346fad9b88101" providerId="LiveId" clId="{4D3BFEEB-B8A8-485F-B41B-389A60E99085}" dt="2021-01-13T01:04:23.197" v="9926" actId="20577"/>
+          <ac:spMkLst>
+            <pc:docMk/>
+            <pc:sldMk cId="4088612770" sldId="317"/>
+            <ac:spMk id="2" creationId="{B0C5B3B2-BBBD-44A7-8D3D-80682CF87E6B}"/>
+          </ac:spMkLst>
+        </pc:spChg>
+      </pc:sldChg>
+      <pc:sldChg chg="modSp mod modNotesTx">
+        <pc:chgData name="Andrew Forrest" userId="fa6346fad9b88101" providerId="LiveId" clId="{4D3BFEEB-B8A8-485F-B41B-389A60E99085}" dt="2021-01-19T20:15:02.609" v="13717" actId="14100"/>
+        <pc:sldMkLst>
+          <pc:docMk/>
+          <pc:sldMk cId="3186061393" sldId="318"/>
+        </pc:sldMkLst>
+        <pc:spChg chg="mod">
+          <ac:chgData name="Andrew Forrest" userId="fa6346fad9b88101" providerId="LiveId" clId="{4D3BFEEB-B8A8-485F-B41B-389A60E99085}" dt="2021-01-13T06:31:05.798" v="11205" actId="20577"/>
+          <ac:spMkLst>
+            <pc:docMk/>
+            <pc:sldMk cId="3186061393" sldId="318"/>
+            <ac:spMk id="2" creationId="{B0C5B3B2-BBBD-44A7-8D3D-80682CF87E6B}"/>
+          </ac:spMkLst>
+        </pc:spChg>
+        <pc:picChg chg="mod">
+          <ac:chgData name="Andrew Forrest" userId="fa6346fad9b88101" providerId="LiveId" clId="{4D3BFEEB-B8A8-485F-B41B-389A60E99085}" dt="2021-01-19T20:15:02.609" v="13717" actId="14100"/>
+          <ac:picMkLst>
+            <pc:docMk/>
+            <pc:sldMk cId="3186061393" sldId="318"/>
+            <ac:picMk id="7" creationId="{4873263E-9B9F-4E90-B65F-101236EF85B5}"/>
+          </ac:picMkLst>
+        </pc:picChg>
+      </pc:sldChg>
+      <pc:sldChg chg="modSp mod modNotesTx">
+        <pc:chgData name="Andrew Forrest" userId="fa6346fad9b88101" providerId="LiveId" clId="{4D3BFEEB-B8A8-485F-B41B-389A60E99085}" dt="2021-01-14T03:23:52.621" v="12787" actId="20577"/>
+        <pc:sldMkLst>
+          <pc:docMk/>
+          <pc:sldMk cId="904935145" sldId="319"/>
+        </pc:sldMkLst>
+        <pc:spChg chg="mod">
+          <ac:chgData name="Andrew Forrest" userId="fa6346fad9b88101" providerId="LiveId" clId="{4D3BFEEB-B8A8-485F-B41B-389A60E99085}" dt="2021-01-13T01:26:19.925" v="10508" actId="20577"/>
+          <ac:spMkLst>
+            <pc:docMk/>
+            <pc:sldMk cId="904935145" sldId="319"/>
+            <ac:spMk id="2" creationId="{622DC9A9-464C-4CBD-8AEA-87392C208365}"/>
+          </ac:spMkLst>
+        </pc:spChg>
+        <pc:spChg chg="mod">
+          <ac:chgData name="Andrew Forrest" userId="fa6346fad9b88101" providerId="LiveId" clId="{4D3BFEEB-B8A8-485F-B41B-389A60E99085}" dt="2021-01-13T01:26:37.918" v="10522" actId="20577"/>
+          <ac:spMkLst>
+            <pc:docMk/>
+            <pc:sldMk cId="904935145" sldId="319"/>
+            <ac:spMk id="3" creationId="{AE3C7FF9-F0C6-4A07-AED5-C5B5500909B0}"/>
+          </ac:spMkLst>
+        </pc:spChg>
+      </pc:sldChg>
+      <pc:sldChg chg="modSp mod ord modNotesTx">
+        <pc:chgData name="Andrew Forrest" userId="fa6346fad9b88101" providerId="LiveId" clId="{4D3BFEEB-B8A8-485F-B41B-389A60E99085}" dt="2021-01-20T02:31:13.866" v="14075" actId="20577"/>
+        <pc:sldMkLst>
+          <pc:docMk/>
+          <pc:sldMk cId="776255852" sldId="320"/>
+        </pc:sldMkLst>
+        <pc:spChg chg="mod">
+          <ac:chgData name="Andrew Forrest" userId="fa6346fad9b88101" providerId="LiveId" clId="{4D3BFEEB-B8A8-485F-B41B-389A60E99085}" dt="2021-01-13T06:44:28.991" v="11515" actId="20577"/>
+          <ac:spMkLst>
+            <pc:docMk/>
+            <pc:sldMk cId="776255852" sldId="320"/>
+            <ac:spMk id="2" creationId="{B0C5B3B2-BBBD-44A7-8D3D-80682CF87E6B}"/>
+          </ac:spMkLst>
+        </pc:spChg>
+        <pc:spChg chg="mod">
+          <ac:chgData name="Andrew Forrest" userId="fa6346fad9b88101" providerId="LiveId" clId="{4D3BFEEB-B8A8-485F-B41B-389A60E99085}" dt="2021-01-13T06:09:25.194" v="10588" actId="313"/>
+          <ac:spMkLst>
+            <pc:docMk/>
+            <pc:sldMk cId="776255852" sldId="320"/>
+            <ac:spMk id="3" creationId="{D6DDD3C4-6F76-40B5-AFF1-F0557BC03777}"/>
+          </ac:spMkLst>
+        </pc:spChg>
+      </pc:sldChg>
+      <pc:sldChg chg="modSp add mod modNotesTx">
+        <pc:chgData name="Andrew Forrest" userId="fa6346fad9b88101" providerId="LiveId" clId="{4D3BFEEB-B8A8-485F-B41B-389A60E99085}" dt="2021-01-19T20:24:21.694" v="13810" actId="20577"/>
+        <pc:sldMkLst>
+          <pc:docMk/>
+          <pc:sldMk cId="4213771676" sldId="321"/>
+        </pc:sldMkLst>
+        <pc:spChg chg="mod">
+          <ac:chgData name="Andrew Forrest" userId="fa6346fad9b88101" providerId="LiveId" clId="{4D3BFEEB-B8A8-485F-B41B-389A60E99085}" dt="2021-01-19T20:24:21.694" v="13810" actId="20577"/>
+          <ac:spMkLst>
+            <pc:docMk/>
+            <pc:sldMk cId="4213771676" sldId="321"/>
+            <ac:spMk id="2" creationId="{7CD1BAD3-7CE6-4C5B-BE72-36219B2AAD12}"/>
+          </ac:spMkLst>
+        </pc:spChg>
+        <pc:spChg chg="mod">
+          <ac:chgData name="Andrew Forrest" userId="fa6346fad9b88101" providerId="LiveId" clId="{4D3BFEEB-B8A8-485F-B41B-389A60E99085}" dt="2021-01-19T20:20:44.529" v="13749" actId="14100"/>
+          <ac:spMkLst>
+            <pc:docMk/>
+            <pc:sldMk cId="4213771676" sldId="321"/>
+            <ac:spMk id="3" creationId="{BD8D47B0-C6FF-425B-9ACD-3734B6384B6F}"/>
+          </ac:spMkLst>
+        </pc:spChg>
+        <pc:spChg chg="mod">
+          <ac:chgData name="Andrew Forrest" userId="fa6346fad9b88101" providerId="LiveId" clId="{4D3BFEEB-B8A8-485F-B41B-389A60E99085}" dt="2021-01-07T08:18:09.733" v="5948" actId="27636"/>
+          <ac:spMkLst>
+            <pc:docMk/>
+            <pc:sldMk cId="4213771676" sldId="321"/>
+            <ac:spMk id="4" creationId="{F47EA967-42F5-46AB-B462-9DF6A105306A}"/>
+          </ac:spMkLst>
+        </pc:spChg>
+      </pc:sldChg>
+      <pc:sldChg chg="modSp add del mod modNotesTx">
+        <pc:chgData name="Andrew Forrest" userId="fa6346fad9b88101" providerId="LiveId" clId="{4D3BFEEB-B8A8-485F-B41B-389A60E99085}" dt="2021-01-07T08:28:02.731" v="6123" actId="47"/>
+        <pc:sldMkLst>
+          <pc:docMk/>
+          <pc:sldMk cId="3353167461" sldId="322"/>
+        </pc:sldMkLst>
+        <pc:spChg chg="mod">
+          <ac:chgData name="Andrew Forrest" userId="fa6346fad9b88101" providerId="LiveId" clId="{4D3BFEEB-B8A8-485F-B41B-389A60E99085}" dt="2021-01-07T07:59:53.463" v="5473" actId="113"/>
+          <ac:spMkLst>
+            <pc:docMk/>
+            <pc:sldMk cId="3353167461" sldId="322"/>
+            <ac:spMk id="2" creationId="{7CD1BAD3-7CE6-4C5B-BE72-36219B2AAD12}"/>
+          </ac:spMkLst>
+        </pc:spChg>
+        <pc:spChg chg="mod">
+          <ac:chgData name="Andrew Forrest" userId="fa6346fad9b88101" providerId="LiveId" clId="{4D3BFEEB-B8A8-485F-B41B-389A60E99085}" dt="2021-01-07T05:21:39.665" v="2167" actId="27636"/>
+          <ac:spMkLst>
+            <pc:docMk/>
+            <pc:sldMk cId="3353167461" sldId="322"/>
+            <ac:spMk id="3" creationId="{BD8D47B0-C6FF-425B-9ACD-3734B6384B6F}"/>
+          </ac:spMkLst>
+        </pc:spChg>
+        <pc:spChg chg="mod">
+          <ac:chgData name="Andrew Forrest" userId="fa6346fad9b88101" providerId="LiveId" clId="{4D3BFEEB-B8A8-485F-B41B-389A60E99085}" dt="2021-01-07T05:22:08.126" v="2178" actId="5793"/>
+          <ac:spMkLst>
+            <pc:docMk/>
+            <pc:sldMk cId="3353167461" sldId="322"/>
+            <ac:spMk id="4" creationId="{F47EA967-42F5-46AB-B462-9DF6A105306A}"/>
+          </ac:spMkLst>
+        </pc:spChg>
+      </pc:sldChg>
+      <pc:sldChg chg="modSp add del mod modNotesTx">
+        <pc:chgData name="Andrew Forrest" userId="fa6346fad9b88101" providerId="LiveId" clId="{4D3BFEEB-B8A8-485F-B41B-389A60E99085}" dt="2021-01-07T08:28:06.183" v="6124" actId="47"/>
+        <pc:sldMkLst>
+          <pc:docMk/>
+          <pc:sldMk cId="2954622010" sldId="323"/>
+        </pc:sldMkLst>
+        <pc:spChg chg="mod">
+          <ac:chgData name="Andrew Forrest" userId="fa6346fad9b88101" providerId="LiveId" clId="{4D3BFEEB-B8A8-485F-B41B-389A60E99085}" dt="2021-01-07T05:33:29.974" v="2471" actId="14100"/>
+          <ac:spMkLst>
+            <pc:docMk/>
+            <pc:sldMk cId="2954622010" sldId="323"/>
+            <ac:spMk id="2" creationId="{7CD1BAD3-7CE6-4C5B-BE72-36219B2AAD12}"/>
+          </ac:spMkLst>
+        </pc:spChg>
+        <pc:spChg chg="mod">
+          <ac:chgData name="Andrew Forrest" userId="fa6346fad9b88101" providerId="LiveId" clId="{4D3BFEEB-B8A8-485F-B41B-389A60E99085}" dt="2021-01-07T05:29:18.190" v="2402" actId="27636"/>
+          <ac:spMkLst>
+            <pc:docMk/>
+            <pc:sldMk cId="2954622010" sldId="323"/>
+            <ac:spMk id="3" creationId="{BD8D47B0-C6FF-425B-9ACD-3734B6384B6F}"/>
+          </ac:spMkLst>
+        </pc:spChg>
+        <pc:spChg chg="mod">
+          <ac:chgData name="Andrew Forrest" userId="fa6346fad9b88101" providerId="LiveId" clId="{4D3BFEEB-B8A8-485F-B41B-389A60E99085}" dt="2021-01-07T05:29:18.190" v="2403" actId="27636"/>
+          <ac:spMkLst>
+            <pc:docMk/>
+            <pc:sldMk cId="2954622010" sldId="323"/>
+            <ac:spMk id="4" creationId="{F47EA967-42F5-46AB-B462-9DF6A105306A}"/>
+          </ac:spMkLst>
+        </pc:spChg>
+      </pc:sldChg>
+      <pc:sldChg chg="addSp delSp modSp new mod modClrScheme chgLayout modNotes modNotesTx">
+        <pc:chgData name="Andrew Forrest" userId="fa6346fad9b88101" providerId="LiveId" clId="{4D3BFEEB-B8A8-485F-B41B-389A60E99085}" dt="2021-01-19T20:26:45.006" v="13847" actId="20577"/>
+        <pc:sldMkLst>
+          <pc:docMk/>
+          <pc:sldMk cId="219052793" sldId="324"/>
+        </pc:sldMkLst>
+        <pc:spChg chg="del">
+          <ac:chgData name="Andrew Forrest" userId="fa6346fad9b88101" providerId="LiveId" clId="{4D3BFEEB-B8A8-485F-B41B-389A60E99085}" dt="2021-01-07T05:35:33.251" v="2473" actId="700"/>
+          <ac:spMkLst>
+            <pc:docMk/>
+            <pc:sldMk cId="219052793" sldId="324"/>
+            <ac:spMk id="2" creationId="{2CC65292-C49A-4661-9F25-C982A6309F3D}"/>
+          </ac:spMkLst>
+        </pc:spChg>
+        <pc:spChg chg="del">
+          <ac:chgData name="Andrew Forrest" userId="fa6346fad9b88101" providerId="LiveId" clId="{4D3BFEEB-B8A8-485F-B41B-389A60E99085}" dt="2021-01-07T05:35:33.251" v="2473" actId="700"/>
+          <ac:spMkLst>
+            <pc:docMk/>
+            <pc:sldMk cId="219052793" sldId="324"/>
+            <ac:spMk id="3" creationId="{8A8EB813-C94C-4834-99D2-CB752614089A}"/>
+          </ac:spMkLst>
+        </pc:spChg>
+        <pc:spChg chg="del">
+          <ac:chgData name="Andrew Forrest" userId="fa6346fad9b88101" providerId="LiveId" clId="{4D3BFEEB-B8A8-485F-B41B-389A60E99085}" dt="2021-01-07T05:35:33.251" v="2473" actId="700"/>
+          <ac:spMkLst>
+            <pc:docMk/>
+            <pc:sldMk cId="219052793" sldId="324"/>
+            <ac:spMk id="4" creationId="{7B8607D7-7262-4605-A9CB-7FBCEC3DD708}"/>
+          </ac:spMkLst>
+        </pc:spChg>
+        <pc:spChg chg="add mod">
+          <ac:chgData name="Andrew Forrest" userId="fa6346fad9b88101" providerId="LiveId" clId="{4D3BFEEB-B8A8-485F-B41B-389A60E99085}" dt="2021-01-17T21:02:49.002" v="13375" actId="255"/>
+          <ac:spMkLst>
+            <pc:docMk/>
+            <pc:sldMk cId="219052793" sldId="324"/>
+            <ac:spMk id="5" creationId="{88635A1E-921C-4F7E-82C0-0F586460ADDC}"/>
+          </ac:spMkLst>
+        </pc:spChg>
+        <pc:picChg chg="add mod">
+          <ac:chgData name="Andrew Forrest" userId="fa6346fad9b88101" providerId="LiveId" clId="{4D3BFEEB-B8A8-485F-B41B-389A60E99085}" dt="2021-01-07T05:41:02.270" v="2496" actId="1076"/>
+          <ac:picMkLst>
+            <pc:docMk/>
+            <pc:sldMk cId="219052793" sldId="324"/>
+            <ac:picMk id="7" creationId="{F8158D23-D654-4DC4-87BD-FCAF8DBE3B59}"/>
+          </ac:picMkLst>
+        </pc:picChg>
+      </pc:sldChg>
+      <pc:sldChg chg="new del">
+        <pc:chgData name="Andrew Forrest" userId="fa6346fad9b88101" providerId="LiveId" clId="{4D3BFEEB-B8A8-485F-B41B-389A60E99085}" dt="2021-01-19T02:45:38.551" v="13386" actId="680"/>
+        <pc:sldMkLst>
+          <pc:docMk/>
+          <pc:sldMk cId="1407553039" sldId="325"/>
+        </pc:sldMkLst>
+      </pc:sldChg>
+    </pc:docChg>
+  </pc:docChgLst>
   <pc:docChgLst>
     <pc:chgData name="Andrew Forrest" userId="fa6346fad9b88101" providerId="LiveId" clId="{FF890E05-E887-4996-8673-0766C1ED6826}"/>
     <pc:docChg chg="undo custSel addSld delSld modSld sldOrd">
@@ -739,476 +1209,6 @@
       </pc:sldMasterChg>
     </pc:docChg>
   </pc:docChgLst>
-  <pc:docChgLst>
-    <pc:chgData name="Andrew Forrest" userId="fa6346fad9b88101" providerId="LiveId" clId="{4D3BFEEB-B8A8-485F-B41B-389A60E99085}"/>
-    <pc:docChg chg="undo custSel addSld delSld modSld sldOrd">
-      <pc:chgData name="Andrew Forrest" userId="fa6346fad9b88101" providerId="LiveId" clId="{4D3BFEEB-B8A8-485F-B41B-389A60E99085}" dt="2021-01-19T20:26:45.006" v="13847" actId="20577"/>
-      <pc:docMkLst>
-        <pc:docMk/>
-      </pc:docMkLst>
-      <pc:sldChg chg="modSp mod modNotesTx">
-        <pc:chgData name="Andrew Forrest" userId="fa6346fad9b88101" providerId="LiveId" clId="{4D3BFEEB-B8A8-485F-B41B-389A60E99085}" dt="2021-01-17T20:59:48.774" v="13319" actId="20577"/>
-        <pc:sldMkLst>
-          <pc:docMk/>
-          <pc:sldMk cId="2481079122" sldId="256"/>
-        </pc:sldMkLst>
-        <pc:spChg chg="mod">
-          <ac:chgData name="Andrew Forrest" userId="fa6346fad9b88101" providerId="LiveId" clId="{4D3BFEEB-B8A8-485F-B41B-389A60E99085}" dt="2021-01-16T00:13:59.870" v="13223" actId="20577"/>
-          <ac:spMkLst>
-            <pc:docMk/>
-            <pc:sldMk cId="2481079122" sldId="256"/>
-            <ac:spMk id="2" creationId="{622DC9A9-464C-4CBD-8AEA-87392C208365}"/>
-          </ac:spMkLst>
-        </pc:spChg>
-        <pc:spChg chg="mod">
-          <ac:chgData name="Andrew Forrest" userId="fa6346fad9b88101" providerId="LiveId" clId="{4D3BFEEB-B8A8-485F-B41B-389A60E99085}" dt="2021-01-12T23:52:51.630" v="7399" actId="113"/>
-          <ac:spMkLst>
-            <pc:docMk/>
-            <pc:sldMk cId="2481079122" sldId="256"/>
-            <ac:spMk id="3" creationId="{AE3C7FF9-F0C6-4A07-AED5-C5B5500909B0}"/>
-          </ac:spMkLst>
-        </pc:spChg>
-      </pc:sldChg>
-      <pc:sldChg chg="modSp del mod">
-        <pc:chgData name="Andrew Forrest" userId="fa6346fad9b88101" providerId="LiveId" clId="{4D3BFEEB-B8A8-485F-B41B-389A60E99085}" dt="2021-01-07T05:47:04.764" v="2677" actId="47"/>
-        <pc:sldMkLst>
-          <pc:docMk/>
-          <pc:sldMk cId="955967466" sldId="257"/>
-        </pc:sldMkLst>
-        <pc:spChg chg="mod">
-          <ac:chgData name="Andrew Forrest" userId="fa6346fad9b88101" providerId="LiveId" clId="{4D3BFEEB-B8A8-485F-B41B-389A60E99085}" dt="2021-01-07T05:16:11.022" v="2023" actId="20577"/>
-          <ac:spMkLst>
-            <pc:docMk/>
-            <pc:sldMk cId="955967466" sldId="257"/>
-            <ac:spMk id="2" creationId="{7CD1BAD3-7CE6-4C5B-BE72-36219B2AAD12}"/>
-          </ac:spMkLst>
-        </pc:spChg>
-        <pc:spChg chg="mod">
-          <ac:chgData name="Andrew Forrest" userId="fa6346fad9b88101" providerId="LiveId" clId="{4D3BFEEB-B8A8-485F-B41B-389A60E99085}" dt="2021-01-07T05:15:01.830" v="2001" actId="27636"/>
-          <ac:spMkLst>
-            <pc:docMk/>
-            <pc:sldMk cId="955967466" sldId="257"/>
-            <ac:spMk id="3" creationId="{BD8D47B0-C6FF-425B-9ACD-3734B6384B6F}"/>
-          </ac:spMkLst>
-        </pc:spChg>
-        <pc:spChg chg="mod">
-          <ac:chgData name="Andrew Forrest" userId="fa6346fad9b88101" providerId="LiveId" clId="{4D3BFEEB-B8A8-485F-B41B-389A60E99085}" dt="2021-01-07T05:15:20.109" v="2004" actId="20577"/>
-          <ac:spMkLst>
-            <pc:docMk/>
-            <pc:sldMk cId="955967466" sldId="257"/>
-            <ac:spMk id="4" creationId="{F47EA967-42F5-46AB-B462-9DF6A105306A}"/>
-          </ac:spMkLst>
-        </pc:spChg>
-      </pc:sldChg>
-      <pc:sldChg chg="modSp del mod">
-        <pc:chgData name="Andrew Forrest" userId="fa6346fad9b88101" providerId="LiveId" clId="{4D3BFEEB-B8A8-485F-B41B-389A60E99085}" dt="2021-01-07T05:42:44.726" v="2502" actId="47"/>
-        <pc:sldMkLst>
-          <pc:docMk/>
-          <pc:sldMk cId="476485258" sldId="259"/>
-        </pc:sldMkLst>
-        <pc:graphicFrameChg chg="modGraphic">
-          <ac:chgData name="Andrew Forrest" userId="fa6346fad9b88101" providerId="LiveId" clId="{4D3BFEEB-B8A8-485F-B41B-389A60E99085}" dt="2021-01-07T05:42:42.228" v="2501" actId="6549"/>
-          <ac:graphicFrameMkLst>
-            <pc:docMk/>
-            <pc:sldMk cId="476485258" sldId="259"/>
-            <ac:graphicFrameMk id="8" creationId="{940E181F-D36C-45BB-96A6-0294B3424955}"/>
-          </ac:graphicFrameMkLst>
-        </pc:graphicFrameChg>
-      </pc:sldChg>
-      <pc:sldChg chg="modSp mod ord modNotesTx">
-        <pc:chgData name="Andrew Forrest" userId="fa6346fad9b88101" providerId="LiveId" clId="{4D3BFEEB-B8A8-485F-B41B-389A60E99085}" dt="2021-01-19T20:13:12.711" v="13689" actId="20577"/>
-        <pc:sldMkLst>
-          <pc:docMk/>
-          <pc:sldMk cId="1058339889" sldId="308"/>
-        </pc:sldMkLst>
-        <pc:graphicFrameChg chg="mod modGraphic">
-          <ac:chgData name="Andrew Forrest" userId="fa6346fad9b88101" providerId="LiveId" clId="{4D3BFEEB-B8A8-485F-B41B-389A60E99085}" dt="2021-01-19T20:13:12.711" v="13689" actId="20577"/>
-          <ac:graphicFrameMkLst>
-            <pc:docMk/>
-            <pc:sldMk cId="1058339889" sldId="308"/>
-            <ac:graphicFrameMk id="6" creationId="{DC1028B8-7E67-422E-922C-0ED734B90AC8}"/>
-          </ac:graphicFrameMkLst>
-        </pc:graphicFrameChg>
-      </pc:sldChg>
-      <pc:sldChg chg="modSp mod ord modNotesTx">
-        <pc:chgData name="Andrew Forrest" userId="fa6346fad9b88101" providerId="LiveId" clId="{4D3BFEEB-B8A8-485F-B41B-389A60E99085}" dt="2021-01-19T20:13:22.200" v="13697" actId="20577"/>
-        <pc:sldMkLst>
-          <pc:docMk/>
-          <pc:sldMk cId="3569181265" sldId="309"/>
-        </pc:sldMkLst>
-        <pc:graphicFrameChg chg="modGraphic">
-          <ac:chgData name="Andrew Forrest" userId="fa6346fad9b88101" providerId="LiveId" clId="{4D3BFEEB-B8A8-485F-B41B-389A60E99085}" dt="2021-01-19T20:13:22.200" v="13697" actId="20577"/>
-          <ac:graphicFrameMkLst>
-            <pc:docMk/>
-            <pc:sldMk cId="3569181265" sldId="309"/>
-            <ac:graphicFrameMk id="6" creationId="{DC1028B8-7E67-422E-922C-0ED734B90AC8}"/>
-          </ac:graphicFrameMkLst>
-        </pc:graphicFrameChg>
-      </pc:sldChg>
-      <pc:sldChg chg="modSp mod modNotesTx">
-        <pc:chgData name="Andrew Forrest" userId="fa6346fad9b88101" providerId="LiveId" clId="{4D3BFEEB-B8A8-485F-B41B-389A60E99085}" dt="2021-01-16T00:00:40.881" v="12956" actId="20577"/>
-        <pc:sldMkLst>
-          <pc:docMk/>
-          <pc:sldMk cId="63067111" sldId="310"/>
-        </pc:sldMkLst>
-        <pc:spChg chg="mod">
-          <ac:chgData name="Andrew Forrest" userId="fa6346fad9b88101" providerId="LiveId" clId="{4D3BFEEB-B8A8-485F-B41B-389A60E99085}" dt="2021-01-16T00:00:40.881" v="12956" actId="20577"/>
-          <ac:spMkLst>
-            <pc:docMk/>
-            <pc:sldMk cId="63067111" sldId="310"/>
-            <ac:spMk id="2" creationId="{B0C5B3B2-BBBD-44A7-8D3D-80682CF87E6B}"/>
-          </ac:spMkLst>
-        </pc:spChg>
-        <pc:picChg chg="mod">
-          <ac:chgData name="Andrew Forrest" userId="fa6346fad9b88101" providerId="LiveId" clId="{4D3BFEEB-B8A8-485F-B41B-389A60E99085}" dt="2021-01-07T06:36:51.102" v="4844" actId="1076"/>
-          <ac:picMkLst>
-            <pc:docMk/>
-            <pc:sldMk cId="63067111" sldId="310"/>
-            <ac:picMk id="7" creationId="{83FC51F5-7E3F-419A-9F95-AF12FEC6DC18}"/>
-          </ac:picMkLst>
-        </pc:picChg>
-        <pc:picChg chg="mod">
-          <ac:chgData name="Andrew Forrest" userId="fa6346fad9b88101" providerId="LiveId" clId="{4D3BFEEB-B8A8-485F-B41B-389A60E99085}" dt="2021-01-07T06:15:44.224" v="4163" actId="1076"/>
-          <ac:picMkLst>
-            <pc:docMk/>
-            <pc:sldMk cId="63067111" sldId="310"/>
-            <ac:picMk id="8" creationId="{D32B349E-C9B1-4062-A1E1-185A472285A8}"/>
-          </ac:picMkLst>
-        </pc:picChg>
-        <pc:picChg chg="mod">
-          <ac:chgData name="Andrew Forrest" userId="fa6346fad9b88101" providerId="LiveId" clId="{4D3BFEEB-B8A8-485F-B41B-389A60E99085}" dt="2021-01-07T06:15:49.431" v="4164" actId="1076"/>
-          <ac:picMkLst>
-            <pc:docMk/>
-            <pc:sldMk cId="63067111" sldId="310"/>
-            <ac:picMk id="11" creationId="{1A2B1DD2-9B78-4DD2-A06B-372913D4BDA4}"/>
-          </ac:picMkLst>
-        </pc:picChg>
-      </pc:sldChg>
-      <pc:sldChg chg="modSp mod modNotesTx">
-        <pc:chgData name="Andrew Forrest" userId="fa6346fad9b88101" providerId="LiveId" clId="{4D3BFEEB-B8A8-485F-B41B-389A60E99085}" dt="2021-01-16T00:01:22.649" v="12968" actId="20577"/>
-        <pc:sldMkLst>
-          <pc:docMk/>
-          <pc:sldMk cId="1580089886" sldId="311"/>
-        </pc:sldMkLst>
-        <pc:spChg chg="mod">
-          <ac:chgData name="Andrew Forrest" userId="fa6346fad9b88101" providerId="LiveId" clId="{4D3BFEEB-B8A8-485F-B41B-389A60E99085}" dt="2021-01-16T00:00:50.119" v="12965" actId="20577"/>
-          <ac:spMkLst>
-            <pc:docMk/>
-            <pc:sldMk cId="1580089886" sldId="311"/>
-            <ac:spMk id="2" creationId="{B0C5B3B2-BBBD-44A7-8D3D-80682CF87E6B}"/>
-          </ac:spMkLst>
-        </pc:spChg>
-      </pc:sldChg>
-      <pc:sldChg chg="modSp mod modNotesTx">
-        <pc:chgData name="Andrew Forrest" userId="fa6346fad9b88101" providerId="LiveId" clId="{4D3BFEEB-B8A8-485F-B41B-389A60E99085}" dt="2021-01-19T20:17:17.557" v="13722" actId="20577"/>
-        <pc:sldMkLst>
-          <pc:docMk/>
-          <pc:sldMk cId="1712458297" sldId="312"/>
-        </pc:sldMkLst>
-        <pc:spChg chg="mod">
-          <ac:chgData name="Andrew Forrest" userId="fa6346fad9b88101" providerId="LiveId" clId="{4D3BFEEB-B8A8-485F-B41B-389A60E99085}" dt="2021-01-13T00:38:41.698" v="9224" actId="14100"/>
-          <ac:spMkLst>
-            <pc:docMk/>
-            <pc:sldMk cId="1712458297" sldId="312"/>
-            <ac:spMk id="2" creationId="{B0C5B3B2-BBBD-44A7-8D3D-80682CF87E6B}"/>
-          </ac:spMkLst>
-        </pc:spChg>
-        <pc:spChg chg="mod">
-          <ac:chgData name="Andrew Forrest" userId="fa6346fad9b88101" providerId="LiveId" clId="{4D3BFEEB-B8A8-485F-B41B-389A60E99085}" dt="2021-01-19T20:17:17.557" v="13722" actId="20577"/>
-          <ac:spMkLst>
-            <pc:docMk/>
-            <pc:sldMk cId="1712458297" sldId="312"/>
-            <ac:spMk id="3" creationId="{D6DDD3C4-6F76-40B5-AFF1-F0557BC03777}"/>
-          </ac:spMkLst>
-        </pc:spChg>
-      </pc:sldChg>
-      <pc:sldChg chg="modSp mod modNotesTx">
-        <pc:chgData name="Andrew Forrest" userId="fa6346fad9b88101" providerId="LiveId" clId="{4D3BFEEB-B8A8-485F-B41B-389A60E99085}" dt="2021-01-16T00:02:50.250" v="13013" actId="6549"/>
-        <pc:sldMkLst>
-          <pc:docMk/>
-          <pc:sldMk cId="2162107554" sldId="313"/>
-        </pc:sldMkLst>
-        <pc:spChg chg="mod">
-          <ac:chgData name="Andrew Forrest" userId="fa6346fad9b88101" providerId="LiveId" clId="{4D3BFEEB-B8A8-485F-B41B-389A60E99085}" dt="2021-01-07T06:41:36.200" v="4896" actId="113"/>
-          <ac:spMkLst>
-            <pc:docMk/>
-            <pc:sldMk cId="2162107554" sldId="313"/>
-            <ac:spMk id="2" creationId="{B0C5B3B2-BBBD-44A7-8D3D-80682CF87E6B}"/>
-          </ac:spMkLst>
-        </pc:spChg>
-        <pc:picChg chg="mod">
-          <ac:chgData name="Andrew Forrest" userId="fa6346fad9b88101" providerId="LiveId" clId="{4D3BFEEB-B8A8-485F-B41B-389A60E99085}" dt="2021-01-07T06:40:42.127" v="4878" actId="1076"/>
-          <ac:picMkLst>
-            <pc:docMk/>
-            <pc:sldMk cId="2162107554" sldId="313"/>
-            <ac:picMk id="4" creationId="{5BF79180-432E-411A-84EE-2BF66FCA1769}"/>
-          </ac:picMkLst>
-        </pc:picChg>
-        <pc:picChg chg="mod">
-          <ac:chgData name="Andrew Forrest" userId="fa6346fad9b88101" providerId="LiveId" clId="{4D3BFEEB-B8A8-485F-B41B-389A60E99085}" dt="2021-01-07T06:40:45.584" v="4879" actId="1076"/>
-          <ac:picMkLst>
-            <pc:docMk/>
-            <pc:sldMk cId="2162107554" sldId="313"/>
-            <ac:picMk id="6" creationId="{E7679167-4854-448D-B4E9-C4F85EB31C03}"/>
-          </ac:picMkLst>
-        </pc:picChg>
-      </pc:sldChg>
-      <pc:sldChg chg="modSp mod modNotesTx">
-        <pc:chgData name="Andrew Forrest" userId="fa6346fad9b88101" providerId="LiveId" clId="{4D3BFEEB-B8A8-485F-B41B-389A60E99085}" dt="2021-01-16T00:08:13.669" v="13124" actId="20577"/>
-        <pc:sldMkLst>
-          <pc:docMk/>
-          <pc:sldMk cId="1423418208" sldId="314"/>
-        </pc:sldMkLst>
-        <pc:spChg chg="mod">
-          <ac:chgData name="Andrew Forrest" userId="fa6346fad9b88101" providerId="LiveId" clId="{4D3BFEEB-B8A8-485F-B41B-389A60E99085}" dt="2021-01-16T00:08:13.669" v="13124" actId="20577"/>
-          <ac:spMkLst>
-            <pc:docMk/>
-            <pc:sldMk cId="1423418208" sldId="314"/>
-            <ac:spMk id="2" creationId="{B0C5B3B2-BBBD-44A7-8D3D-80682CF87E6B}"/>
-          </ac:spMkLst>
-        </pc:spChg>
-        <pc:spChg chg="mod">
-          <ac:chgData name="Andrew Forrest" userId="fa6346fad9b88101" providerId="LiveId" clId="{4D3BFEEB-B8A8-485F-B41B-389A60E99085}" dt="2021-01-13T00:58:20.375" v="9754"/>
-          <ac:spMkLst>
-            <pc:docMk/>
-            <pc:sldMk cId="1423418208" sldId="314"/>
-            <ac:spMk id="3" creationId="{D6DDD3C4-6F76-40B5-AFF1-F0557BC03777}"/>
-          </ac:spMkLst>
-        </pc:spChg>
-      </pc:sldChg>
-      <pc:sldChg chg="modSp mod modNotesTx">
-        <pc:chgData name="Andrew Forrest" userId="fa6346fad9b88101" providerId="LiveId" clId="{4D3BFEEB-B8A8-485F-B41B-389A60E99085}" dt="2021-01-19T20:14:42.289" v="13715" actId="20577"/>
-        <pc:sldMkLst>
-          <pc:docMk/>
-          <pc:sldMk cId="4088612770" sldId="317"/>
-        </pc:sldMkLst>
-        <pc:spChg chg="mod">
-          <ac:chgData name="Andrew Forrest" userId="fa6346fad9b88101" providerId="LiveId" clId="{4D3BFEEB-B8A8-485F-B41B-389A60E99085}" dt="2021-01-13T01:04:23.197" v="9926" actId="20577"/>
-          <ac:spMkLst>
-            <pc:docMk/>
-            <pc:sldMk cId="4088612770" sldId="317"/>
-            <ac:spMk id="2" creationId="{B0C5B3B2-BBBD-44A7-8D3D-80682CF87E6B}"/>
-          </ac:spMkLst>
-        </pc:spChg>
-      </pc:sldChg>
-      <pc:sldChg chg="modSp mod modNotesTx">
-        <pc:chgData name="Andrew Forrest" userId="fa6346fad9b88101" providerId="LiveId" clId="{4D3BFEEB-B8A8-485F-B41B-389A60E99085}" dt="2021-01-19T20:15:02.609" v="13717" actId="14100"/>
-        <pc:sldMkLst>
-          <pc:docMk/>
-          <pc:sldMk cId="3186061393" sldId="318"/>
-        </pc:sldMkLst>
-        <pc:spChg chg="mod">
-          <ac:chgData name="Andrew Forrest" userId="fa6346fad9b88101" providerId="LiveId" clId="{4D3BFEEB-B8A8-485F-B41B-389A60E99085}" dt="2021-01-13T06:31:05.798" v="11205" actId="20577"/>
-          <ac:spMkLst>
-            <pc:docMk/>
-            <pc:sldMk cId="3186061393" sldId="318"/>
-            <ac:spMk id="2" creationId="{B0C5B3B2-BBBD-44A7-8D3D-80682CF87E6B}"/>
-          </ac:spMkLst>
-        </pc:spChg>
-        <pc:picChg chg="mod">
-          <ac:chgData name="Andrew Forrest" userId="fa6346fad9b88101" providerId="LiveId" clId="{4D3BFEEB-B8A8-485F-B41B-389A60E99085}" dt="2021-01-19T20:15:02.609" v="13717" actId="14100"/>
-          <ac:picMkLst>
-            <pc:docMk/>
-            <pc:sldMk cId="3186061393" sldId="318"/>
-            <ac:picMk id="7" creationId="{4873263E-9B9F-4E90-B65F-101236EF85B5}"/>
-          </ac:picMkLst>
-        </pc:picChg>
-      </pc:sldChg>
-      <pc:sldChg chg="modSp mod modNotesTx">
-        <pc:chgData name="Andrew Forrest" userId="fa6346fad9b88101" providerId="LiveId" clId="{4D3BFEEB-B8A8-485F-B41B-389A60E99085}" dt="2021-01-14T03:23:52.621" v="12787" actId="20577"/>
-        <pc:sldMkLst>
-          <pc:docMk/>
-          <pc:sldMk cId="904935145" sldId="319"/>
-        </pc:sldMkLst>
-        <pc:spChg chg="mod">
-          <ac:chgData name="Andrew Forrest" userId="fa6346fad9b88101" providerId="LiveId" clId="{4D3BFEEB-B8A8-485F-B41B-389A60E99085}" dt="2021-01-13T01:26:19.925" v="10508" actId="20577"/>
-          <ac:spMkLst>
-            <pc:docMk/>
-            <pc:sldMk cId="904935145" sldId="319"/>
-            <ac:spMk id="2" creationId="{622DC9A9-464C-4CBD-8AEA-87392C208365}"/>
-          </ac:spMkLst>
-        </pc:spChg>
-        <pc:spChg chg="mod">
-          <ac:chgData name="Andrew Forrest" userId="fa6346fad9b88101" providerId="LiveId" clId="{4D3BFEEB-B8A8-485F-B41B-389A60E99085}" dt="2021-01-13T01:26:37.918" v="10522" actId="20577"/>
-          <ac:spMkLst>
-            <pc:docMk/>
-            <pc:sldMk cId="904935145" sldId="319"/>
-            <ac:spMk id="3" creationId="{AE3C7FF9-F0C6-4A07-AED5-C5B5500909B0}"/>
-          </ac:spMkLst>
-        </pc:spChg>
-      </pc:sldChg>
-      <pc:sldChg chg="modSp mod ord modNotesTx">
-        <pc:chgData name="Andrew Forrest" userId="fa6346fad9b88101" providerId="LiveId" clId="{4D3BFEEB-B8A8-485F-B41B-389A60E99085}" dt="2021-01-16T00:12:04.549" v="13205" actId="20577"/>
-        <pc:sldMkLst>
-          <pc:docMk/>
-          <pc:sldMk cId="776255852" sldId="320"/>
-        </pc:sldMkLst>
-        <pc:spChg chg="mod">
-          <ac:chgData name="Andrew Forrest" userId="fa6346fad9b88101" providerId="LiveId" clId="{4D3BFEEB-B8A8-485F-B41B-389A60E99085}" dt="2021-01-13T06:44:28.991" v="11515" actId="20577"/>
-          <ac:spMkLst>
-            <pc:docMk/>
-            <pc:sldMk cId="776255852" sldId="320"/>
-            <ac:spMk id="2" creationId="{B0C5B3B2-BBBD-44A7-8D3D-80682CF87E6B}"/>
-          </ac:spMkLst>
-        </pc:spChg>
-        <pc:spChg chg="mod">
-          <ac:chgData name="Andrew Forrest" userId="fa6346fad9b88101" providerId="LiveId" clId="{4D3BFEEB-B8A8-485F-B41B-389A60E99085}" dt="2021-01-13T06:09:25.194" v="10588" actId="313"/>
-          <ac:spMkLst>
-            <pc:docMk/>
-            <pc:sldMk cId="776255852" sldId="320"/>
-            <ac:spMk id="3" creationId="{D6DDD3C4-6F76-40B5-AFF1-F0557BC03777}"/>
-          </ac:spMkLst>
-        </pc:spChg>
-      </pc:sldChg>
-      <pc:sldChg chg="modSp add mod modNotesTx">
-        <pc:chgData name="Andrew Forrest" userId="fa6346fad9b88101" providerId="LiveId" clId="{4D3BFEEB-B8A8-485F-B41B-389A60E99085}" dt="2021-01-19T20:24:21.694" v="13810" actId="20577"/>
-        <pc:sldMkLst>
-          <pc:docMk/>
-          <pc:sldMk cId="4213771676" sldId="321"/>
-        </pc:sldMkLst>
-        <pc:spChg chg="mod">
-          <ac:chgData name="Andrew Forrest" userId="fa6346fad9b88101" providerId="LiveId" clId="{4D3BFEEB-B8A8-485F-B41B-389A60E99085}" dt="2021-01-19T20:24:21.694" v="13810" actId="20577"/>
-          <ac:spMkLst>
-            <pc:docMk/>
-            <pc:sldMk cId="4213771676" sldId="321"/>
-            <ac:spMk id="2" creationId="{7CD1BAD3-7CE6-4C5B-BE72-36219B2AAD12}"/>
-          </ac:spMkLst>
-        </pc:spChg>
-        <pc:spChg chg="mod">
-          <ac:chgData name="Andrew Forrest" userId="fa6346fad9b88101" providerId="LiveId" clId="{4D3BFEEB-B8A8-485F-B41B-389A60E99085}" dt="2021-01-19T20:20:44.529" v="13749" actId="14100"/>
-          <ac:spMkLst>
-            <pc:docMk/>
-            <pc:sldMk cId="4213771676" sldId="321"/>
-            <ac:spMk id="3" creationId="{BD8D47B0-C6FF-425B-9ACD-3734B6384B6F}"/>
-          </ac:spMkLst>
-        </pc:spChg>
-        <pc:spChg chg="mod">
-          <ac:chgData name="Andrew Forrest" userId="fa6346fad9b88101" providerId="LiveId" clId="{4D3BFEEB-B8A8-485F-B41B-389A60E99085}" dt="2021-01-07T08:18:09.733" v="5948" actId="27636"/>
-          <ac:spMkLst>
-            <pc:docMk/>
-            <pc:sldMk cId="4213771676" sldId="321"/>
-            <ac:spMk id="4" creationId="{F47EA967-42F5-46AB-B462-9DF6A105306A}"/>
-          </ac:spMkLst>
-        </pc:spChg>
-      </pc:sldChg>
-      <pc:sldChg chg="modSp add del mod modNotesTx">
-        <pc:chgData name="Andrew Forrest" userId="fa6346fad9b88101" providerId="LiveId" clId="{4D3BFEEB-B8A8-485F-B41B-389A60E99085}" dt="2021-01-07T08:28:02.731" v="6123" actId="47"/>
-        <pc:sldMkLst>
-          <pc:docMk/>
-          <pc:sldMk cId="3353167461" sldId="322"/>
-        </pc:sldMkLst>
-        <pc:spChg chg="mod">
-          <ac:chgData name="Andrew Forrest" userId="fa6346fad9b88101" providerId="LiveId" clId="{4D3BFEEB-B8A8-485F-B41B-389A60E99085}" dt="2021-01-07T07:59:53.463" v="5473" actId="113"/>
-          <ac:spMkLst>
-            <pc:docMk/>
-            <pc:sldMk cId="3353167461" sldId="322"/>
-            <ac:spMk id="2" creationId="{7CD1BAD3-7CE6-4C5B-BE72-36219B2AAD12}"/>
-          </ac:spMkLst>
-        </pc:spChg>
-        <pc:spChg chg="mod">
-          <ac:chgData name="Andrew Forrest" userId="fa6346fad9b88101" providerId="LiveId" clId="{4D3BFEEB-B8A8-485F-B41B-389A60E99085}" dt="2021-01-07T05:21:39.665" v="2167" actId="27636"/>
-          <ac:spMkLst>
-            <pc:docMk/>
-            <pc:sldMk cId="3353167461" sldId="322"/>
-            <ac:spMk id="3" creationId="{BD8D47B0-C6FF-425B-9ACD-3734B6384B6F}"/>
-          </ac:spMkLst>
-        </pc:spChg>
-        <pc:spChg chg="mod">
-          <ac:chgData name="Andrew Forrest" userId="fa6346fad9b88101" providerId="LiveId" clId="{4D3BFEEB-B8A8-485F-B41B-389A60E99085}" dt="2021-01-07T05:22:08.126" v="2178" actId="5793"/>
-          <ac:spMkLst>
-            <pc:docMk/>
-            <pc:sldMk cId="3353167461" sldId="322"/>
-            <ac:spMk id="4" creationId="{F47EA967-42F5-46AB-B462-9DF6A105306A}"/>
-          </ac:spMkLst>
-        </pc:spChg>
-      </pc:sldChg>
-      <pc:sldChg chg="modSp add del mod modNotesTx">
-        <pc:chgData name="Andrew Forrest" userId="fa6346fad9b88101" providerId="LiveId" clId="{4D3BFEEB-B8A8-485F-B41B-389A60E99085}" dt="2021-01-07T08:28:06.183" v="6124" actId="47"/>
-        <pc:sldMkLst>
-          <pc:docMk/>
-          <pc:sldMk cId="2954622010" sldId="323"/>
-        </pc:sldMkLst>
-        <pc:spChg chg="mod">
-          <ac:chgData name="Andrew Forrest" userId="fa6346fad9b88101" providerId="LiveId" clId="{4D3BFEEB-B8A8-485F-B41B-389A60E99085}" dt="2021-01-07T05:33:29.974" v="2471" actId="14100"/>
-          <ac:spMkLst>
-            <pc:docMk/>
-            <pc:sldMk cId="2954622010" sldId="323"/>
-            <ac:spMk id="2" creationId="{7CD1BAD3-7CE6-4C5B-BE72-36219B2AAD12}"/>
-          </ac:spMkLst>
-        </pc:spChg>
-        <pc:spChg chg="mod">
-          <ac:chgData name="Andrew Forrest" userId="fa6346fad9b88101" providerId="LiveId" clId="{4D3BFEEB-B8A8-485F-B41B-389A60E99085}" dt="2021-01-07T05:29:18.190" v="2402" actId="27636"/>
-          <ac:spMkLst>
-            <pc:docMk/>
-            <pc:sldMk cId="2954622010" sldId="323"/>
-            <ac:spMk id="3" creationId="{BD8D47B0-C6FF-425B-9ACD-3734B6384B6F}"/>
-          </ac:spMkLst>
-        </pc:spChg>
-        <pc:spChg chg="mod">
-          <ac:chgData name="Andrew Forrest" userId="fa6346fad9b88101" providerId="LiveId" clId="{4D3BFEEB-B8A8-485F-B41B-389A60E99085}" dt="2021-01-07T05:29:18.190" v="2403" actId="27636"/>
-          <ac:spMkLst>
-            <pc:docMk/>
-            <pc:sldMk cId="2954622010" sldId="323"/>
-            <ac:spMk id="4" creationId="{F47EA967-42F5-46AB-B462-9DF6A105306A}"/>
-          </ac:spMkLst>
-        </pc:spChg>
-      </pc:sldChg>
-      <pc:sldChg chg="addSp delSp modSp new mod modClrScheme chgLayout modNotes modNotesTx">
-        <pc:chgData name="Andrew Forrest" userId="fa6346fad9b88101" providerId="LiveId" clId="{4D3BFEEB-B8A8-485F-B41B-389A60E99085}" dt="2021-01-19T20:26:45.006" v="13847" actId="20577"/>
-        <pc:sldMkLst>
-          <pc:docMk/>
-          <pc:sldMk cId="219052793" sldId="324"/>
-        </pc:sldMkLst>
-        <pc:spChg chg="del">
-          <ac:chgData name="Andrew Forrest" userId="fa6346fad9b88101" providerId="LiveId" clId="{4D3BFEEB-B8A8-485F-B41B-389A60E99085}" dt="2021-01-07T05:35:33.251" v="2473" actId="700"/>
-          <ac:spMkLst>
-            <pc:docMk/>
-            <pc:sldMk cId="219052793" sldId="324"/>
-            <ac:spMk id="2" creationId="{2CC65292-C49A-4661-9F25-C982A6309F3D}"/>
-          </ac:spMkLst>
-        </pc:spChg>
-        <pc:spChg chg="del">
-          <ac:chgData name="Andrew Forrest" userId="fa6346fad9b88101" providerId="LiveId" clId="{4D3BFEEB-B8A8-485F-B41B-389A60E99085}" dt="2021-01-07T05:35:33.251" v="2473" actId="700"/>
-          <ac:spMkLst>
-            <pc:docMk/>
-            <pc:sldMk cId="219052793" sldId="324"/>
-            <ac:spMk id="3" creationId="{8A8EB813-C94C-4834-99D2-CB752614089A}"/>
-          </ac:spMkLst>
-        </pc:spChg>
-        <pc:spChg chg="del">
-          <ac:chgData name="Andrew Forrest" userId="fa6346fad9b88101" providerId="LiveId" clId="{4D3BFEEB-B8A8-485F-B41B-389A60E99085}" dt="2021-01-07T05:35:33.251" v="2473" actId="700"/>
-          <ac:spMkLst>
-            <pc:docMk/>
-            <pc:sldMk cId="219052793" sldId="324"/>
-            <ac:spMk id="4" creationId="{7B8607D7-7262-4605-A9CB-7FBCEC3DD708}"/>
-          </ac:spMkLst>
-        </pc:spChg>
-        <pc:spChg chg="add mod">
-          <ac:chgData name="Andrew Forrest" userId="fa6346fad9b88101" providerId="LiveId" clId="{4D3BFEEB-B8A8-485F-B41B-389A60E99085}" dt="2021-01-17T21:02:49.002" v="13375" actId="255"/>
-          <ac:spMkLst>
-            <pc:docMk/>
-            <pc:sldMk cId="219052793" sldId="324"/>
-            <ac:spMk id="5" creationId="{88635A1E-921C-4F7E-82C0-0F586460ADDC}"/>
-          </ac:spMkLst>
-        </pc:spChg>
-        <pc:picChg chg="add mod">
-          <ac:chgData name="Andrew Forrest" userId="fa6346fad9b88101" providerId="LiveId" clId="{4D3BFEEB-B8A8-485F-B41B-389A60E99085}" dt="2021-01-07T05:41:02.270" v="2496" actId="1076"/>
-          <ac:picMkLst>
-            <pc:docMk/>
-            <pc:sldMk cId="219052793" sldId="324"/>
-            <ac:picMk id="7" creationId="{F8158D23-D654-4DC4-87BD-FCAF8DBE3B59}"/>
-          </ac:picMkLst>
-        </pc:picChg>
-      </pc:sldChg>
-      <pc:sldChg chg="new del">
-        <pc:chgData name="Andrew Forrest" userId="fa6346fad9b88101" providerId="LiveId" clId="{4D3BFEEB-B8A8-485F-B41B-389A60E99085}" dt="2021-01-19T02:45:38.551" v="13386" actId="680"/>
-        <pc:sldMkLst>
-          <pc:docMk/>
-          <pc:sldMk cId="1407553039" sldId="325"/>
-        </pc:sldMkLst>
-      </pc:sldChg>
-    </pc:docChg>
-  </pc:docChgLst>
 </pc:chgInfo>
 </file>
 
@@ -2078,13 +2078,50 @@
           <a:bodyPr/>
           <a:lstStyle/>
           <a:p>
+            <a:pPr marL="0" marR="0" lvl="0" indent="0" algn="l" defTabSz="914400" rtl="0" eaLnBrk="1" fontAlgn="auto" latinLnBrk="0" hangingPunct="1">
+              <a:lnSpc>
+                <a:spcPct val="100000"/>
+              </a:lnSpc>
+              <a:spcBef>
+                <a:spcPts val="0"/>
+              </a:spcBef>
+              <a:spcAft>
+                <a:spcPts val="0"/>
+              </a:spcAft>
+              <a:buClrTx/>
+              <a:buSzTx/>
+              <a:buFontTx/>
+              <a:buNone/>
+              <a:tabLst/>
+              <a:defRPr/>
+            </a:pPr>
+            <a:r>
+              <a:rPr lang="en-US" b="1" dirty="0"/>
+              <a:t>Project Challenges</a:t>
+            </a:r>
+          </a:p>
+          <a:p>
             <a:r>
               <a:rPr lang="en-US" dirty="0"/>
-              <a:t>This project included multiple concurrent challenges within a strict time constraint.  Deliverables were detailing accurate results in three technical reports, plus producing and delivering a technical presentation.  </a:t>
-            </a:r>
+              <a:t>I was required to complete multiple concurrent tasks, some with unfamiliar tools, within a strict time limit.</a:t>
+            </a:r>
+          </a:p>
+          <a:p>
+            <a:r>
+              <a:rPr lang="en-US" dirty="0"/>
+              <a:t>Deliverables were; detailing accurate results in three technical reports, plus producing and delivering a technical presentation.</a:t>
+            </a:r>
+          </a:p>
+          <a:p>
             <a:r>
               <a:rPr lang="en-US" sz="1200" dirty="0"/>
-              <a:t>I needed to:  Select the appropriate tools at each stage, Execute with precision, Document my progress, Produce accurate and clear reports, Implement targeted monitoring with alerts, and Recommend solutions for the vulnerabilities found. </a:t>
+              <a:t>I needed to:  Select the appropriate tools at each stage, Execute with precision, Document my progress, Produce accurate and clear reports, Implement targeted monitoring with alerts, and Recommend solutions for the vulnerabilities found.  </a:t>
+            </a:r>
+          </a:p>
+          <a:p>
+            <a:r>
+              <a:rPr lang="en-US" sz="1200" dirty="0"/>
+              <a:t>My project submission earned an A- and my overall academic average was A+</a:t>
             </a:r>
             <a:endParaRPr lang="en-US" dirty="0"/>
           </a:p>
